--- a/Diagrams.pptx
+++ b/Diagrams.pptx
@@ -869,10 +869,9 @@
         <a:lstStyle/>
         <a:p>
           <a:r>
-            <a:rPr lang="en-US"/>
+            <a:rPr lang="en-US" dirty="0"/>
             <a:t>World Model</a:t>
           </a:r>
-          <a:endParaRPr lang="en-US" dirty="0"/>
         </a:p>
       </dgm:t>
     </dgm:pt>
@@ -951,10 +950,24 @@
     <dgm:pt modelId="{DC0AF5E7-615D-4950-A831-7F3BE8A75902}" type="parTrans" cxnId="{C51ECEF9-E5E9-4B25-86FA-13DEAC170C8D}">
       <dgm:prSet/>
       <dgm:spPr/>
+      <dgm:t>
+        <a:bodyPr/>
+        <a:lstStyle/>
+        <a:p>
+          <a:endParaRPr lang="en-US"/>
+        </a:p>
+      </dgm:t>
     </dgm:pt>
     <dgm:pt modelId="{83A3CA5E-8B08-4CFC-8AB9-828A9D019066}" type="sibTrans" cxnId="{C51ECEF9-E5E9-4B25-86FA-13DEAC170C8D}">
       <dgm:prSet/>
       <dgm:spPr/>
+      <dgm:t>
+        <a:bodyPr/>
+        <a:lstStyle/>
+        <a:p>
+          <a:endParaRPr lang="en-US"/>
+        </a:p>
+      </dgm:t>
     </dgm:pt>
     <dgm:pt modelId="{89FE1B21-9381-433D-9530-C7C7F269B732}" type="pres">
       <dgm:prSet presAssocID="{3B563517-8A27-4D8B-8F9E-B809A9C7D9D5}" presName="compositeShape" presStyleCnt="0">
@@ -1161,10 +1174,9 @@
             <a:buNone/>
           </a:pPr>
           <a:r>
-            <a:rPr lang="en-US" sz="4300" kern="1200"/>
+            <a:rPr lang="en-US" sz="4300" kern="1200" dirty="0"/>
             <a:t>World Model</a:t>
           </a:r>
-          <a:endParaRPr lang="en-US" sz="4300" kern="1200" dirty="0"/>
         </a:p>
       </dsp:txBody>
       <dsp:txXfrm>
